--- a/ppt/算法讲解109【扩展】树状数组相关题目.pptx
+++ b/ppt/算法讲解109【扩展】树状数组相关题目.pptx
@@ -5327,7 +5327,7 @@
               </a:defRPr>
             </a:pPr>
             <a:r>
-              <a:t>HH有一串由各种漂亮的贝壳组成的项链，他相信不同的贝壳会带来好运</a:t>
+              <a:t>一共有n个位置，每个位置颜色给定，i位置的颜色是arr[i]</a:t>
             </a:r>
           </a:p>
           <a:p>
@@ -5343,7 +5343,7 @@
               </a:defRPr>
             </a:pPr>
             <a:r>
-              <a:t>所以每次散步完后，他都会随意取出一段贝壳，思考它们所表达的含义</a:t>
+              <a:t>一共有m个查询，question[i] = {li, ri}</a:t>
             </a:r>
           </a:p>
           <a:p>
@@ -5359,7 +5359,7 @@
               </a:defRPr>
             </a:pPr>
             <a:r>
-              <a:t>HH不断地收集新的贝壳，因此项链变得越来越长</a:t>
+              <a:t>表示第i条查询想查arr[li..ri]范围上一共有多少种不同颜色</a:t>
             </a:r>
           </a:p>
           <a:p>
@@ -5375,7 +5375,7 @@
               </a:defRPr>
             </a:pPr>
             <a:r>
-              <a:t>有一天，他突然提出了一个问题</a:t>
+              <a:t>返回每条查询的答案</a:t>
             </a:r>
           </a:p>
           <a:p>
@@ -5391,7 +5391,7 @@
               </a:defRPr>
             </a:pPr>
             <a:r>
-              <a:t>某一段贝壳中，包含了多少种不同的贝壳？</a:t>
+              <a:t>1 &lt;= n、m、arr[i] &lt;= 10^6</a:t>
             </a:r>
           </a:p>
           <a:p>
@@ -5407,7 +5407,7 @@
               </a:defRPr>
             </a:pPr>
             <a:r>
-              <a:t>这个问题很难回答... 因为项链实在是太长了</a:t>
+              <a:t>1 &lt;= li &lt;= ri &lt;= n</a:t>
             </a:r>
           </a:p>
           <a:p>
@@ -5423,29 +5423,7 @@
               </a:defRPr>
             </a:pPr>
             <a:r>
-              <a:t>于是，他只好求助睿智的你，来解决这个问题</a:t>
-            </a:r>
-          </a:p>
-          <a:p>
-            <a:pPr algn="l" defTabSz="457200">
-              <a:defRPr sz="3600">
-                <a:solidFill>
-                  <a:srgbClr val="000000"/>
-                </a:solidFill>
-                <a:latin typeface="Monaco"/>
-                <a:ea typeface="Monaco"/>
-                <a:cs typeface="Monaco"/>
-                <a:sym typeface="Monaco"/>
-              </a:defRPr>
-            </a:pPr>
-            <a:r>
-              <a:t>测试链接 : </a:t>
-            </a:r>
-            <a:r>
-              <a:rPr>
-                <a:hlinkClick r:id="rId2" invalidUrl="" action="" tgtFrame="" tooltip="" history="1" highlightClick="0" endSnd="0"/>
-              </a:rPr>
-              <a:t>https://www.luogu.com.cn/problem/P1972</a:t>
+              <a:t>测试链接 : https://www.luogu.com.cn/problem/P1972</a:t>
             </a:r>
           </a:p>
         </p:txBody>
